--- a/metaX_UI_예시_2차발송본.pptx
+++ b/metaX_UI_예시_2차발송본.pptx
@@ -221,7 +221,7 @@
           <a:p>
             <a:fld id="{CB5A5F2C-8847-43A3-A81A-8C6B229F13F6}" type="datetimeFigureOut">
               <a:rPr lang="ko-KR" altLang="en-US" smtClean="0"/>
-              <a:t>2020-10-23</a:t>
+              <a:t>2020-10-24</a:t>
             </a:fld>
             <a:endParaRPr lang="ko-KR" altLang="en-US"/>
           </a:p>
@@ -2360,7 +2360,7 @@
           <a:p>
             <a:fld id="{F5000782-209F-4F09-8E33-E95593FCF97D}" type="datetimeFigureOut">
               <a:rPr lang="ko-KR" altLang="en-US" smtClean="0"/>
-              <a:t>2020-10-23</a:t>
+              <a:t>2020-10-24</a:t>
             </a:fld>
             <a:endParaRPr lang="ko-KR" altLang="en-US"/>
           </a:p>
@@ -2530,7 +2530,7 @@
           <a:p>
             <a:fld id="{F5000782-209F-4F09-8E33-E95593FCF97D}" type="datetimeFigureOut">
               <a:rPr lang="ko-KR" altLang="en-US" smtClean="0"/>
-              <a:t>2020-10-23</a:t>
+              <a:t>2020-10-24</a:t>
             </a:fld>
             <a:endParaRPr lang="ko-KR" altLang="en-US"/>
           </a:p>
@@ -2710,7 +2710,7 @@
           <a:p>
             <a:fld id="{F5000782-209F-4F09-8E33-E95593FCF97D}" type="datetimeFigureOut">
               <a:rPr lang="ko-KR" altLang="en-US" smtClean="0"/>
-              <a:t>2020-10-23</a:t>
+              <a:t>2020-10-24</a:t>
             </a:fld>
             <a:endParaRPr lang="ko-KR" altLang="en-US"/>
           </a:p>
@@ -2880,7 +2880,7 @@
           <a:p>
             <a:fld id="{F5000782-209F-4F09-8E33-E95593FCF97D}" type="datetimeFigureOut">
               <a:rPr lang="ko-KR" altLang="en-US" smtClean="0"/>
-              <a:t>2020-10-23</a:t>
+              <a:t>2020-10-24</a:t>
             </a:fld>
             <a:endParaRPr lang="ko-KR" altLang="en-US"/>
           </a:p>
@@ -3124,7 +3124,7 @@
           <a:p>
             <a:fld id="{F5000782-209F-4F09-8E33-E95593FCF97D}" type="datetimeFigureOut">
               <a:rPr lang="ko-KR" altLang="en-US" smtClean="0"/>
-              <a:t>2020-10-23</a:t>
+              <a:t>2020-10-24</a:t>
             </a:fld>
             <a:endParaRPr lang="ko-KR" altLang="en-US"/>
           </a:p>
@@ -3356,7 +3356,7 @@
           <a:p>
             <a:fld id="{F5000782-209F-4F09-8E33-E95593FCF97D}" type="datetimeFigureOut">
               <a:rPr lang="ko-KR" altLang="en-US" smtClean="0"/>
-              <a:t>2020-10-23</a:t>
+              <a:t>2020-10-24</a:t>
             </a:fld>
             <a:endParaRPr lang="ko-KR" altLang="en-US"/>
           </a:p>
@@ -3723,7 +3723,7 @@
           <a:p>
             <a:fld id="{F5000782-209F-4F09-8E33-E95593FCF97D}" type="datetimeFigureOut">
               <a:rPr lang="ko-KR" altLang="en-US" smtClean="0"/>
-              <a:t>2020-10-23</a:t>
+              <a:t>2020-10-24</a:t>
             </a:fld>
             <a:endParaRPr lang="ko-KR" altLang="en-US"/>
           </a:p>
@@ -3841,7 +3841,7 @@
           <a:p>
             <a:fld id="{F5000782-209F-4F09-8E33-E95593FCF97D}" type="datetimeFigureOut">
               <a:rPr lang="ko-KR" altLang="en-US" smtClean="0"/>
-              <a:t>2020-10-23</a:t>
+              <a:t>2020-10-24</a:t>
             </a:fld>
             <a:endParaRPr lang="ko-KR" altLang="en-US"/>
           </a:p>
@@ -3936,7 +3936,7 @@
           <a:p>
             <a:fld id="{F5000782-209F-4F09-8E33-E95593FCF97D}" type="datetimeFigureOut">
               <a:rPr lang="ko-KR" altLang="en-US" smtClean="0"/>
-              <a:t>2020-10-23</a:t>
+              <a:t>2020-10-24</a:t>
             </a:fld>
             <a:endParaRPr lang="ko-KR" altLang="en-US"/>
           </a:p>
@@ -4213,7 +4213,7 @@
           <a:p>
             <a:fld id="{F5000782-209F-4F09-8E33-E95593FCF97D}" type="datetimeFigureOut">
               <a:rPr lang="ko-KR" altLang="en-US" smtClean="0"/>
-              <a:t>2020-10-23</a:t>
+              <a:t>2020-10-24</a:t>
             </a:fld>
             <a:endParaRPr lang="ko-KR" altLang="en-US"/>
           </a:p>
@@ -4470,7 +4470,7 @@
           <a:p>
             <a:fld id="{F5000782-209F-4F09-8E33-E95593FCF97D}" type="datetimeFigureOut">
               <a:rPr lang="ko-KR" altLang="en-US" smtClean="0"/>
-              <a:t>2020-10-23</a:t>
+              <a:t>2020-10-24</a:t>
             </a:fld>
             <a:endParaRPr lang="ko-KR" altLang="en-US"/>
           </a:p>
@@ -4683,7 +4683,7 @@
           <a:p>
             <a:fld id="{F5000782-209F-4F09-8E33-E95593FCF97D}" type="datetimeFigureOut">
               <a:rPr lang="ko-KR" altLang="en-US" smtClean="0"/>
-              <a:t>2020-10-23</a:t>
+              <a:t>2020-10-24</a:t>
             </a:fld>
             <a:endParaRPr lang="ko-KR" altLang="en-US"/>
           </a:p>
@@ -5959,7 +5959,7 @@
                 <a:latin typeface="나눔바른고딕 Light" panose="020B0603020101020101" pitchFamily="50" charset="-127"/>
                 <a:ea typeface="나눔바른고딕 Light" panose="020B0603020101020101" pitchFamily="50" charset="-127"/>
               </a:rPr>
-              <a:t>]_</a:t>
+              <a:t>]_[</a:t>
             </a:r>
             <a:r>
               <a:rPr lang="ko-KR" altLang="en-US" sz="1400" dirty="0" smtClean="0">
@@ -6230,14 +6230,7 @@
                 <a:latin typeface="나눔바른고딕 Light" panose="020B0603020101020101" pitchFamily="50" charset="-127"/>
                 <a:ea typeface="나눔바른고딕 Light" panose="020B0603020101020101" pitchFamily="50" charset="-127"/>
               </a:rPr>
-              <a:t>Mini-</a:t>
-            </a:r>
-            <a:r>
-              <a:rPr lang="en-US" altLang="ko-KR" sz="2000" dirty="0" err="1" smtClean="0">
-                <a:latin typeface="나눔바른고딕 Light" panose="020B0603020101020101" pitchFamily="50" charset="-127"/>
-                <a:ea typeface="나눔바른고딕 Light" panose="020B0603020101020101" pitchFamily="50" charset="-127"/>
-              </a:rPr>
-              <a:t>ImagaNet</a:t>
+              <a:t>Mini-ImageNet</a:t>
             </a:r>
             <a:endParaRPr lang="en-US" altLang="ko-KR" sz="2000" dirty="0" smtClean="0">
               <a:latin typeface="나눔바른고딕 Light" panose="020B0603020101020101" pitchFamily="50" charset="-127"/>
@@ -7275,85 +7268,75 @@
                 <a:latin typeface="나눔바른고딕 Light" panose="020B0603020101020101" pitchFamily="50" charset="-127"/>
                 <a:ea typeface="나눔바른고딕 Light" panose="020B0603020101020101" pitchFamily="50" charset="-127"/>
               </a:rPr>
-              <a:t>불러오고자 하는 </a:t>
+              <a:t>불러오고자 하는 모델</a:t>
+            </a:r>
+            <a:r>
+              <a:rPr lang="en-US" altLang="ko-KR" sz="1400" dirty="0" smtClean="0">
+                <a:latin typeface="나눔바른고딕 Light" panose="020B0603020101020101" pitchFamily="50" charset="-127"/>
+                <a:ea typeface="나눔바른고딕 Light" panose="020B0603020101020101" pitchFamily="50" charset="-127"/>
+              </a:rPr>
+              <a:t>(</a:t>
             </a:r>
             <a:r>
               <a:rPr lang="ko-KR" altLang="en-US" sz="1400" dirty="0" smtClean="0">
                 <a:latin typeface="나눔바른고딕 Light" panose="020B0603020101020101" pitchFamily="50" charset="-127"/>
                 <a:ea typeface="나눔바른고딕 Light" panose="020B0603020101020101" pitchFamily="50" charset="-127"/>
               </a:rPr>
-              <a:t>모델</a:t>
+              <a:t>과 </a:t>
+            </a:r>
+            <a:r>
+              <a:rPr lang="ko-KR" altLang="en-US" sz="1400" dirty="0" err="1" smtClean="0">
+                <a:latin typeface="나눔바른고딕 Light" panose="020B0603020101020101" pitchFamily="50" charset="-127"/>
+                <a:ea typeface="나눔바른고딕 Light" panose="020B0603020101020101" pitchFamily="50" charset="-127"/>
+              </a:rPr>
+              <a:t>데이터셋</a:t>
+            </a:r>
+            <a:r>
+              <a:rPr lang="ko-KR" altLang="en-US" sz="1400" dirty="0" smtClean="0">
+                <a:latin typeface="나눔바른고딕 Light" panose="020B0603020101020101" pitchFamily="50" charset="-127"/>
+                <a:ea typeface="나눔바른고딕 Light" panose="020B0603020101020101" pitchFamily="50" charset="-127"/>
+              </a:rPr>
+              <a:t> 조합</a:t>
             </a:r>
             <a:r>
               <a:rPr lang="en-US" altLang="ko-KR" sz="1400" dirty="0" smtClean="0">
                 <a:latin typeface="나눔바른고딕 Light" panose="020B0603020101020101" pitchFamily="50" charset="-127"/>
                 <a:ea typeface="나눔바른고딕 Light" panose="020B0603020101020101" pitchFamily="50" charset="-127"/>
               </a:rPr>
-              <a:t>(</a:t>
+              <a:t>)</a:t>
             </a:r>
             <a:r>
               <a:rPr lang="ko-KR" altLang="en-US" sz="1400" dirty="0" smtClean="0">
                 <a:latin typeface="나눔바른고딕 Light" panose="020B0603020101020101" pitchFamily="50" charset="-127"/>
                 <a:ea typeface="나눔바른고딕 Light" panose="020B0603020101020101" pitchFamily="50" charset="-127"/>
               </a:rPr>
-              <a:t>과 </a:t>
-            </a:r>
-            <a:r>
-              <a:rPr lang="ko-KR" altLang="en-US" sz="1400" dirty="0" err="1" smtClean="0">
-                <a:latin typeface="나눔바른고딕 Light" panose="020B0603020101020101" pitchFamily="50" charset="-127"/>
-                <a:ea typeface="나눔바른고딕 Light" panose="020B0603020101020101" pitchFamily="50" charset="-127"/>
-              </a:rPr>
-              <a:t>데이터셋</a:t>
+              <a:t>의 </a:t>
+            </a:r>
+            <a:r>
+              <a:rPr lang="en-US" altLang="ko-KR" sz="1400" dirty="0" smtClean="0">
+                <a:latin typeface="나눔바른고딕 Light" panose="020B0603020101020101" pitchFamily="50" charset="-127"/>
+                <a:ea typeface="나눔바른고딕 Light" panose="020B0603020101020101" pitchFamily="50" charset="-127"/>
+              </a:rPr>
+              <a:t>Step1-2</a:t>
             </a:r>
             <a:r>
               <a:rPr lang="ko-KR" altLang="en-US" sz="1400" dirty="0" smtClean="0">
                 <a:latin typeface="나눔바른고딕 Light" panose="020B0603020101020101" pitchFamily="50" charset="-127"/>
                 <a:ea typeface="나눔바른고딕 Light" panose="020B0603020101020101" pitchFamily="50" charset="-127"/>
               </a:rPr>
-              <a:t> 조합</a:t>
+              <a:t>를 차례대로 실행합니다</a:t>
             </a:r>
             <a:r>
               <a:rPr lang="en-US" altLang="ko-KR" sz="1400" dirty="0" smtClean="0">
                 <a:latin typeface="나눔바른고딕 Light" panose="020B0603020101020101" pitchFamily="50" charset="-127"/>
                 <a:ea typeface="나눔바른고딕 Light" panose="020B0603020101020101" pitchFamily="50" charset="-127"/>
               </a:rPr>
-              <a:t>)</a:t>
-            </a:r>
-            <a:r>
-              <a:rPr lang="ko-KR" altLang="en-US" sz="1400" dirty="0" smtClean="0">
-                <a:latin typeface="나눔바른고딕 Light" panose="020B0603020101020101" pitchFamily="50" charset="-127"/>
-                <a:ea typeface="나눔바른고딕 Light" panose="020B0603020101020101" pitchFamily="50" charset="-127"/>
-              </a:rPr>
-              <a:t>의 </a:t>
-            </a:r>
-            <a:r>
-              <a:rPr lang="en-US" altLang="ko-KR" sz="1400" dirty="0" smtClean="0">
-                <a:latin typeface="나눔바른고딕 Light" panose="020B0603020101020101" pitchFamily="50" charset="-127"/>
-                <a:ea typeface="나눔바른고딕 Light" panose="020B0603020101020101" pitchFamily="50" charset="-127"/>
-              </a:rPr>
-              <a:t>Step1-2</a:t>
-            </a:r>
-            <a:r>
-              <a:rPr lang="ko-KR" altLang="en-US" sz="1400" dirty="0" smtClean="0">
-                <a:latin typeface="나눔바른고딕 Light" panose="020B0603020101020101" pitchFamily="50" charset="-127"/>
-                <a:ea typeface="나눔바른고딕 Light" panose="020B0603020101020101" pitchFamily="50" charset="-127"/>
-              </a:rPr>
-              <a:t>를 차례대로 </a:t>
-            </a:r>
-            <a:r>
-              <a:rPr lang="ko-KR" altLang="en-US" sz="1400" dirty="0" smtClean="0">
-                <a:latin typeface="나눔바른고딕 Light" panose="020B0603020101020101" pitchFamily="50" charset="-127"/>
-                <a:ea typeface="나눔바른고딕 Light" panose="020B0603020101020101" pitchFamily="50" charset="-127"/>
-              </a:rPr>
-              <a:t>실행합니다</a:t>
-            </a:r>
-            <a:r>
-              <a:rPr lang="en-US" altLang="ko-KR" sz="1400" dirty="0" smtClean="0">
-                <a:latin typeface="나눔바른고딕 Light" panose="020B0603020101020101" pitchFamily="50" charset="-127"/>
-                <a:ea typeface="나눔바른고딕 Light" panose="020B0603020101020101" pitchFamily="50" charset="-127"/>
-              </a:rPr>
               <a:t>.</a:t>
             </a:r>
+            <a:endParaRPr lang="en-US" altLang="ko-KR" sz="1400" dirty="0" smtClean="0">
+              <a:latin typeface="나눔바른고딕 Light" panose="020B0603020101020101" pitchFamily="50" charset="-127"/>
+              <a:ea typeface="나눔바른고딕 Light" panose="020B0603020101020101" pitchFamily="50" charset="-127"/>
+            </a:endParaRPr>
           </a:p>
           <a:p>
             <a:pPr marL="342900" indent="-342900">
@@ -7428,7 +7411,21 @@
                 <a:latin typeface="나눔바른고딕 Light" panose="020B0603020101020101" pitchFamily="50" charset="-127"/>
                 <a:ea typeface="나눔바른고딕 Light" panose="020B0603020101020101" pitchFamily="50" charset="-127"/>
               </a:rPr>
-              <a:t> 경로를 입력해 불러옵니다</a:t>
+              <a:t> </a:t>
+            </a:r>
+            <a:r>
+              <a:rPr lang="ko-KR" altLang="en-US" sz="1400" dirty="0" smtClean="0">
+                <a:latin typeface="나눔바른고딕 Light" panose="020B0603020101020101" pitchFamily="50" charset="-127"/>
+                <a:ea typeface="나눔바른고딕 Light" panose="020B0603020101020101" pitchFamily="50" charset="-127"/>
+              </a:rPr>
+              <a:t>경로를 </a:t>
+            </a:r>
+            <a:r>
+              <a:rPr lang="ko-KR" altLang="en-US" sz="1400" dirty="0" smtClean="0">
+                <a:latin typeface="나눔바른고딕 Light" panose="020B0603020101020101" pitchFamily="50" charset="-127"/>
+                <a:ea typeface="나눔바른고딕 Light" panose="020B0603020101020101" pitchFamily="50" charset="-127"/>
+              </a:rPr>
+              <a:t>입력해 불러옵니다</a:t>
             </a:r>
             <a:r>
               <a:rPr lang="en-US" altLang="ko-KR" sz="1400" dirty="0" smtClean="0">
@@ -7492,6 +7489,52 @@
           </a:prstGeom>
         </p:spPr>
       </p:pic>
+      <p:sp>
+        <p:nvSpPr>
+          <p:cNvPr id="5" name="직사각형 4"/>
+          <p:cNvSpPr/>
+          <p:nvPr/>
+        </p:nvSpPr>
+        <p:spPr>
+          <a:xfrm>
+            <a:off x="5162550" y="3924300"/>
+            <a:ext cx="3438525" cy="247650"/>
+          </a:xfrm>
+          <a:prstGeom prst="rect">
+            <a:avLst/>
+          </a:prstGeom>
+          <a:noFill/>
+          <a:ln w="38100">
+            <a:solidFill>
+              <a:srgbClr val="FF0000"/>
+            </a:solidFill>
+          </a:ln>
+        </p:spPr>
+        <p:style>
+          <a:lnRef idx="2">
+            <a:schemeClr val="accent1">
+              <a:shade val="50000"/>
+            </a:schemeClr>
+          </a:lnRef>
+          <a:fillRef idx="1">
+            <a:schemeClr val="accent1"/>
+          </a:fillRef>
+          <a:effectRef idx="0">
+            <a:schemeClr val="accent1"/>
+          </a:effectRef>
+          <a:fontRef idx="minor">
+            <a:schemeClr val="lt1"/>
+          </a:fontRef>
+        </p:style>
+        <p:txBody>
+          <a:bodyPr rtlCol="0" anchor="ctr"/>
+          <a:lstStyle/>
+          <a:p>
+            <a:pPr algn="ctr"/>
+            <a:endParaRPr lang="ko-KR" altLang="en-US"/>
+          </a:p>
+        </p:txBody>
+      </p:sp>
     </p:spTree>
     <p:extLst>
       <p:ext uri="{BB962C8B-B14F-4D97-AF65-F5344CB8AC3E}">
